--- a/images/theory_analysis/Linux_netfilter_iptables/Linux_netfilter_iptables.pptx
+++ b/images/theory_analysis/Linux_netfilter_iptables/Linux_netfilter_iptables.pptx
@@ -109,7 +109,7 @@
   </p:defaultTextStyle>
   <p:extLst>
     <p:ext uri="{EFAFB233-063F-42B5-8137-9DF3F51BA10A}">
-      <p15:sldGuideLst xmlns:p15="http://schemas.microsoft.com/office/powerpoint/2012/main" xmlns="">
+      <p15:sldGuideLst xmlns:p15="http://schemas.microsoft.com/office/powerpoint/2012/main">
         <p15:guide id="1" orient="horz" pos="2160">
           <p15:clr>
             <a:srgbClr val="A4A3A4"/>
@@ -213,7 +213,7 @@
           <a:p>
             <a:fld id="{6CD5550B-26C4-49A9-A5BA-636EF7BE6CE9}" type="datetimeFigureOut">
               <a:rPr lang="ko-KR" altLang="en-US" smtClean="0"/>
-              <a:t>2017-04-20</a:t>
+              <a:t>2017-04-23</a:t>
             </a:fld>
             <a:endParaRPr lang="ko-KR" altLang="en-US"/>
           </a:p>
@@ -746,7 +746,7 @@
           <a:p>
             <a:fld id="{FB30EDBD-1C2D-4C1E-B459-B60219FAB484}" type="datetimeFigureOut">
               <a:rPr lang="ko-KR" altLang="en-US" smtClean="0"/>
-              <a:t>2017-04-20</a:t>
+              <a:t>2017-04-23</a:t>
             </a:fld>
             <a:endParaRPr lang="ko-KR" altLang="en-US"/>
           </a:p>
@@ -911,7 +911,7 @@
           <a:p>
             <a:fld id="{FB30EDBD-1C2D-4C1E-B459-B60219FAB484}" type="datetimeFigureOut">
               <a:rPr lang="ko-KR" altLang="en-US" smtClean="0"/>
-              <a:t>2017-04-20</a:t>
+              <a:t>2017-04-23</a:t>
             </a:fld>
             <a:endParaRPr lang="ko-KR" altLang="en-US"/>
           </a:p>
@@ -1086,7 +1086,7 @@
           <a:p>
             <a:fld id="{FB30EDBD-1C2D-4C1E-B459-B60219FAB484}" type="datetimeFigureOut">
               <a:rPr lang="ko-KR" altLang="en-US" smtClean="0"/>
-              <a:t>2017-04-20</a:t>
+              <a:t>2017-04-23</a:t>
             </a:fld>
             <a:endParaRPr lang="ko-KR" altLang="en-US"/>
           </a:p>
@@ -1251,7 +1251,7 @@
           <a:p>
             <a:fld id="{FB30EDBD-1C2D-4C1E-B459-B60219FAB484}" type="datetimeFigureOut">
               <a:rPr lang="ko-KR" altLang="en-US" smtClean="0"/>
-              <a:t>2017-04-20</a:t>
+              <a:t>2017-04-23</a:t>
             </a:fld>
             <a:endParaRPr lang="ko-KR" altLang="en-US"/>
           </a:p>
@@ -1499,7 +1499,7 @@
           <a:p>
             <a:fld id="{FB30EDBD-1C2D-4C1E-B459-B60219FAB484}" type="datetimeFigureOut">
               <a:rPr lang="ko-KR" altLang="en-US" smtClean="0"/>
-              <a:t>2017-04-20</a:t>
+              <a:t>2017-04-23</a:t>
             </a:fld>
             <a:endParaRPr lang="ko-KR" altLang="en-US"/>
           </a:p>
@@ -1782,7 +1782,7 @@
           <a:p>
             <a:fld id="{FB30EDBD-1C2D-4C1E-B459-B60219FAB484}" type="datetimeFigureOut">
               <a:rPr lang="ko-KR" altLang="en-US" smtClean="0"/>
-              <a:t>2017-04-20</a:t>
+              <a:t>2017-04-23</a:t>
             </a:fld>
             <a:endParaRPr lang="ko-KR" altLang="en-US"/>
           </a:p>
@@ -2199,7 +2199,7 @@
           <a:p>
             <a:fld id="{FB30EDBD-1C2D-4C1E-B459-B60219FAB484}" type="datetimeFigureOut">
               <a:rPr lang="ko-KR" altLang="en-US" smtClean="0"/>
-              <a:t>2017-04-20</a:t>
+              <a:t>2017-04-23</a:t>
             </a:fld>
             <a:endParaRPr lang="ko-KR" altLang="en-US"/>
           </a:p>
@@ -2312,7 +2312,7 @@
           <a:p>
             <a:fld id="{FB30EDBD-1C2D-4C1E-B459-B60219FAB484}" type="datetimeFigureOut">
               <a:rPr lang="ko-KR" altLang="en-US" smtClean="0"/>
-              <a:t>2017-04-20</a:t>
+              <a:t>2017-04-23</a:t>
             </a:fld>
             <a:endParaRPr lang="ko-KR" altLang="en-US"/>
           </a:p>
@@ -2402,7 +2402,7 @@
           <a:p>
             <a:fld id="{FB30EDBD-1C2D-4C1E-B459-B60219FAB484}" type="datetimeFigureOut">
               <a:rPr lang="ko-KR" altLang="en-US" smtClean="0"/>
-              <a:t>2017-04-20</a:t>
+              <a:t>2017-04-23</a:t>
             </a:fld>
             <a:endParaRPr lang="ko-KR" altLang="en-US"/>
           </a:p>
@@ -2674,7 +2674,7 @@
           <a:p>
             <a:fld id="{FB30EDBD-1C2D-4C1E-B459-B60219FAB484}" type="datetimeFigureOut">
               <a:rPr lang="ko-KR" altLang="en-US" smtClean="0"/>
-              <a:t>2017-04-20</a:t>
+              <a:t>2017-04-23</a:t>
             </a:fld>
             <a:endParaRPr lang="ko-KR" altLang="en-US"/>
           </a:p>
@@ -2922,7 +2922,7 @@
           <a:p>
             <a:fld id="{FB30EDBD-1C2D-4C1E-B459-B60219FAB484}" type="datetimeFigureOut">
               <a:rPr lang="ko-KR" altLang="en-US" smtClean="0"/>
-              <a:t>2017-04-20</a:t>
+              <a:t>2017-04-23</a:t>
             </a:fld>
             <a:endParaRPr lang="ko-KR" altLang="en-US"/>
           </a:p>
@@ -3130,7 +3130,7 @@
           <a:p>
             <a:fld id="{FB30EDBD-1C2D-4C1E-B459-B60219FAB484}" type="datetimeFigureOut">
               <a:rPr lang="ko-KR" altLang="en-US" smtClean="0"/>
-              <a:t>2017-04-20</a:t>
+              <a:t>2017-04-23</a:t>
             </a:fld>
             <a:endParaRPr lang="ko-KR" altLang="en-US"/>
           </a:p>
@@ -3508,8 +3508,8 @@
         </p:nvSpPr>
         <p:spPr>
           <a:xfrm>
-            <a:off x="827584" y="20186"/>
-            <a:ext cx="6048672" cy="799704"/>
+            <a:off x="3782579" y="469546"/>
+            <a:ext cx="3760418" cy="679868"/>
           </a:xfrm>
           <a:prstGeom prst="roundRect">
             <a:avLst>
@@ -3545,7 +3545,7 @@
           <a:lstStyle/>
           <a:p>
             <a:pPr algn="ctr"/>
-            <a:endParaRPr lang="ko-KR" altLang="en-US"/>
+            <a:endParaRPr lang="ko-KR" altLang="en-US" sz="1400"/>
           </a:p>
         </p:txBody>
       </p:sp>
@@ -3557,8 +3557,8 @@
         </p:nvSpPr>
         <p:spPr>
           <a:xfrm>
-            <a:off x="971600" y="346959"/>
-            <a:ext cx="1224136" cy="399852"/>
+            <a:off x="3923259" y="751836"/>
+            <a:ext cx="1008779" cy="339934"/>
           </a:xfrm>
           <a:prstGeom prst="roundRect">
             <a:avLst>
@@ -3586,10 +3586,10 @@
           <a:p>
             <a:pPr algn="ctr"/>
             <a:r>
-              <a:rPr lang="en-US" altLang="ko-KR" sz="1600" dirty="0" smtClean="0"/>
+              <a:rPr lang="en-US" altLang="ko-KR" sz="1200" dirty="0" smtClean="0"/>
               <a:t>raw</a:t>
             </a:r>
-            <a:endParaRPr lang="ko-KR" altLang="en-US" sz="1600" dirty="0"/>
+            <a:endParaRPr lang="ko-KR" altLang="en-US" sz="1200" dirty="0"/>
           </a:p>
         </p:txBody>
       </p:sp>
@@ -3601,8 +3601,8 @@
         </p:nvSpPr>
         <p:spPr>
           <a:xfrm>
-            <a:off x="2483768" y="346959"/>
-            <a:ext cx="1224136" cy="399852"/>
+            <a:off x="2622461" y="469546"/>
+            <a:ext cx="1008779" cy="339934"/>
           </a:xfrm>
           <a:prstGeom prst="roundRect">
             <a:avLst>
@@ -3611,7 +3611,7 @@
           </a:prstGeom>
           <a:ln>
             <a:solidFill>
-              <a:srgbClr val="C00000"/>
+              <a:schemeClr val="tx2"/>
             </a:solidFill>
           </a:ln>
         </p:spPr>
@@ -3635,16 +3635,16 @@
           <a:p>
             <a:pPr algn="ctr"/>
             <a:r>
-              <a:rPr lang="en-US" altLang="ko-KR" sz="1200" dirty="0" smtClean="0">
+              <a:rPr lang="en-US" altLang="ko-KR" sz="1100" dirty="0" smtClean="0">
                 <a:solidFill>
-                  <a:srgbClr val="C00000"/>
+                  <a:schemeClr val="tx2"/>
                 </a:solidFill>
               </a:rPr>
               <a:t>Connection Tracking</a:t>
             </a:r>
-            <a:endParaRPr lang="ko-KR" altLang="en-US" sz="1200" dirty="0">
+            <a:endParaRPr lang="ko-KR" altLang="en-US" sz="1100" dirty="0">
               <a:solidFill>
-                <a:srgbClr val="C00000"/>
+                <a:schemeClr val="tx2"/>
               </a:solidFill>
             </a:endParaRPr>
           </a:p>
@@ -3658,8 +3658,8 @@
         </p:nvSpPr>
         <p:spPr>
           <a:xfrm>
-            <a:off x="3995936" y="346959"/>
-            <a:ext cx="1224136" cy="399852"/>
+            <a:off x="5169400" y="747703"/>
+            <a:ext cx="1008779" cy="339934"/>
           </a:xfrm>
           <a:prstGeom prst="roundRect">
             <a:avLst>
@@ -3687,10 +3687,10 @@
           <a:p>
             <a:pPr algn="ctr"/>
             <a:r>
-              <a:rPr lang="en-US" altLang="ko-KR" sz="1600" dirty="0" smtClean="0"/>
+              <a:rPr lang="en-US" altLang="ko-KR" sz="1200" dirty="0" smtClean="0"/>
               <a:t>mangle</a:t>
             </a:r>
-            <a:endParaRPr lang="ko-KR" altLang="en-US" sz="1600" dirty="0"/>
+            <a:endParaRPr lang="ko-KR" altLang="en-US" sz="1200" dirty="0"/>
           </a:p>
         </p:txBody>
       </p:sp>
@@ -3702,8 +3702,8 @@
         </p:nvSpPr>
         <p:spPr>
           <a:xfrm>
-            <a:off x="7020272" y="819890"/>
-            <a:ext cx="1224136" cy="399852"/>
+            <a:off x="6415538" y="1537687"/>
+            <a:ext cx="1008779" cy="339934"/>
           </a:xfrm>
           <a:prstGeom prst="roundRect">
             <a:avLst>
@@ -3712,7 +3712,7 @@
           </a:prstGeom>
           <a:ln>
             <a:solidFill>
-              <a:srgbClr val="C00000"/>
+              <a:schemeClr val="tx2"/>
             </a:solidFill>
           </a:ln>
         </p:spPr>
@@ -3736,16 +3736,27 @@
           <a:p>
             <a:pPr algn="ctr"/>
             <a:r>
-              <a:rPr lang="en-US" altLang="ko-KR" sz="1600" dirty="0" err="1" smtClean="0">
+              <a:rPr lang="en-US" altLang="ko-KR" sz="1100" smtClean="0">
                 <a:solidFill>
-                  <a:srgbClr val="C00000"/>
+                  <a:schemeClr val="tx2"/>
                 </a:solidFill>
               </a:rPr>
-              <a:t>rounting</a:t>
-            </a:r>
-            <a:endParaRPr lang="ko-KR" altLang="en-US" sz="1600" dirty="0">
+              <a:t>Rounting</a:t>
+            </a:r>
+          </a:p>
+          <a:p>
+            <a:pPr algn="ctr"/>
+            <a:r>
+              <a:rPr lang="en-US" altLang="ko-KR" sz="1100" smtClean="0">
+                <a:solidFill>
+                  <a:schemeClr val="tx2"/>
+                </a:solidFill>
+              </a:rPr>
+              <a:t>(Forwarding)</a:t>
+            </a:r>
+            <a:endParaRPr lang="ko-KR" altLang="en-US" sz="1100" dirty="0">
               <a:solidFill>
-                <a:srgbClr val="C00000"/>
+                <a:schemeClr val="tx2"/>
               </a:solidFill>
             </a:endParaRPr>
           </a:p>
@@ -3759,8 +3770,8 @@
         </p:nvSpPr>
         <p:spPr>
           <a:xfrm>
-            <a:off x="5508104" y="346959"/>
-            <a:ext cx="1224136" cy="399852"/>
+            <a:off x="6415538" y="747703"/>
+            <a:ext cx="1008779" cy="339934"/>
           </a:xfrm>
           <a:prstGeom prst="roundRect">
             <a:avLst>
@@ -3788,22 +3799,22 @@
           <a:p>
             <a:pPr algn="ctr"/>
             <a:r>
-              <a:rPr lang="en-US" altLang="ko-KR" sz="1600" dirty="0" err="1" smtClean="0"/>
+              <a:rPr lang="en-US" altLang="ko-KR" sz="1200" dirty="0" err="1" smtClean="0"/>
               <a:t>nat</a:t>
             </a:r>
             <a:r>
-              <a:rPr lang="en-US" altLang="ko-KR" sz="1600" dirty="0" smtClean="0"/>
+              <a:rPr lang="en-US" altLang="ko-KR" sz="1200" dirty="0" smtClean="0"/>
               <a:t> (</a:t>
             </a:r>
             <a:r>
-              <a:rPr lang="en-US" altLang="ko-KR" sz="1600" dirty="0" err="1" smtClean="0"/>
+              <a:rPr lang="en-US" altLang="ko-KR" sz="1200" dirty="0" err="1" smtClean="0"/>
               <a:t>DNAT</a:t>
             </a:r>
             <a:r>
-              <a:rPr lang="en-US" altLang="ko-KR" sz="1600" dirty="0" smtClean="0"/>
+              <a:rPr lang="en-US" altLang="ko-KR" sz="1200" dirty="0" smtClean="0"/>
               <a:t>)</a:t>
             </a:r>
-            <a:endParaRPr lang="ko-KR" altLang="en-US" sz="1600" dirty="0"/>
+            <a:endParaRPr lang="ko-KR" altLang="en-US" sz="1200" dirty="0"/>
           </a:p>
         </p:txBody>
       </p:sp>
@@ -3815,8 +3826,8 @@
         </p:nvSpPr>
         <p:spPr>
           <a:xfrm>
-            <a:off x="2987824" y="-13742"/>
-            <a:ext cx="1728192" cy="399852"/>
+            <a:off x="4939707" y="441409"/>
+            <a:ext cx="1424158" cy="339934"/>
           </a:xfrm>
           <a:prstGeom prst="roundRect">
             <a:avLst>
@@ -3848,10 +3859,10 @@
           <a:p>
             <a:pPr algn="ctr"/>
             <a:r>
-              <a:rPr lang="en-US" altLang="ko-KR" sz="1600" b="1" dirty="0" err="1" smtClean="0"/>
+              <a:rPr lang="en-US" altLang="ko-KR" sz="1200" b="1" dirty="0" err="1" smtClean="0"/>
               <a:t>PREROUTING</a:t>
             </a:r>
-            <a:endParaRPr lang="ko-KR" altLang="en-US" sz="1600" b="1" dirty="0"/>
+            <a:endParaRPr lang="ko-KR" altLang="en-US" sz="1200" b="1" dirty="0"/>
           </a:p>
         </p:txBody>
       </p:sp>
@@ -3863,8 +3874,8 @@
         </p:nvSpPr>
         <p:spPr>
           <a:xfrm>
-            <a:off x="4752020" y="1858466"/>
-            <a:ext cx="1224136" cy="399852"/>
+            <a:off x="4546332" y="2029381"/>
+            <a:ext cx="1008779" cy="339934"/>
           </a:xfrm>
           <a:prstGeom prst="roundRect">
             <a:avLst>
@@ -3896,10 +3907,10 @@
           <a:p>
             <a:pPr algn="ctr"/>
             <a:r>
-              <a:rPr lang="en-US" altLang="ko-KR" sz="1600" b="1" dirty="0" smtClean="0"/>
+              <a:rPr lang="en-US" altLang="ko-KR" sz="1200" b="1" dirty="0" smtClean="0"/>
               <a:t>INPUT</a:t>
             </a:r>
-            <a:endParaRPr lang="ko-KR" altLang="en-US" sz="1600" b="1" dirty="0"/>
+            <a:endParaRPr lang="ko-KR" altLang="en-US" sz="1200" b="1" dirty="0"/>
           </a:p>
         </p:txBody>
       </p:sp>
@@ -3911,8 +3922,8 @@
         </p:nvSpPr>
         <p:spPr>
           <a:xfrm>
-            <a:off x="3851920" y="922362"/>
-            <a:ext cx="1512168" cy="399852"/>
+            <a:off x="2558443" y="1233552"/>
+            <a:ext cx="1246138" cy="339934"/>
           </a:xfrm>
           <a:prstGeom prst="roundRect">
             <a:avLst>
@@ -3944,10 +3955,10 @@
           <a:p>
             <a:pPr algn="ctr"/>
             <a:r>
-              <a:rPr lang="en-US" altLang="ko-KR" sz="1600" b="1" dirty="0" smtClean="0"/>
+              <a:rPr lang="en-US" altLang="ko-KR" sz="1200" b="1" dirty="0" smtClean="0"/>
               <a:t>FORWARD</a:t>
             </a:r>
-            <a:endParaRPr lang="ko-KR" altLang="en-US" sz="1600" b="1" dirty="0"/>
+            <a:endParaRPr lang="ko-KR" altLang="en-US" sz="1200" b="1" dirty="0"/>
           </a:p>
         </p:txBody>
       </p:sp>
@@ -3959,8 +3970,8 @@
         </p:nvSpPr>
         <p:spPr>
           <a:xfrm>
-            <a:off x="4752020" y="3325456"/>
-            <a:ext cx="1224136" cy="399852"/>
+            <a:off x="5147397" y="3276542"/>
+            <a:ext cx="1008779" cy="339934"/>
           </a:xfrm>
           <a:prstGeom prst="roundRect">
             <a:avLst>
@@ -3992,10 +4003,10 @@
           <a:p>
             <a:pPr algn="ctr"/>
             <a:r>
-              <a:rPr lang="en-US" altLang="ko-KR" sz="1600" b="1" dirty="0" smtClean="0"/>
+              <a:rPr lang="en-US" altLang="ko-KR" sz="1200" b="1" dirty="0" smtClean="0"/>
               <a:t>OUTPUT</a:t>
             </a:r>
-            <a:endParaRPr lang="ko-KR" altLang="en-US" sz="1600" b="1" dirty="0"/>
+            <a:endParaRPr lang="ko-KR" altLang="en-US" sz="1200" b="1" dirty="0"/>
           </a:p>
         </p:txBody>
       </p:sp>
@@ -4003,15 +4014,15 @@
         <p:nvCxnSpPr>
           <p:cNvPr id="6" name="직선 화살표 연결선 5"/>
           <p:cNvCxnSpPr>
-            <a:stCxn id="14" idx="3"/>
-            <a:endCxn id="16" idx="1"/>
+            <a:stCxn id="14" idx="1"/>
+            <a:endCxn id="16" idx="3"/>
           </p:cNvCxnSpPr>
           <p:nvPr/>
         </p:nvCxnSpPr>
         <p:spPr>
-          <a:xfrm>
-            <a:off x="2195736" y="546885"/>
-            <a:ext cx="288032" cy="0"/>
+          <a:xfrm flipH="1" flipV="1">
+            <a:off x="3631240" y="639513"/>
+            <a:ext cx="292019" cy="282290"/>
           </a:xfrm>
           <a:prstGeom prst="straightConnector1">
             <a:avLst/>
@@ -4049,8 +4060,8 @@
         </p:nvCxnSpPr>
         <p:spPr>
           <a:xfrm>
-            <a:off x="3707904" y="546885"/>
-            <a:ext cx="288032" cy="0"/>
+            <a:off x="3631240" y="639513"/>
+            <a:ext cx="1538160" cy="278157"/>
           </a:xfrm>
           <a:prstGeom prst="straightConnector1">
             <a:avLst/>
@@ -4088,8 +4099,8 @@
         </p:nvCxnSpPr>
         <p:spPr>
           <a:xfrm>
-            <a:off x="5220072" y="546885"/>
-            <a:ext cx="288032" cy="0"/>
+            <a:off x="6178179" y="917670"/>
+            <a:ext cx="237359" cy="0"/>
           </a:xfrm>
           <a:prstGeom prst="straightConnector1">
             <a:avLst/>
@@ -4124,8 +4135,8 @@
         </p:nvSpPr>
         <p:spPr>
           <a:xfrm>
-            <a:off x="3995936" y="1286384"/>
-            <a:ext cx="1224136" cy="399852"/>
+            <a:off x="2677122" y="1543026"/>
+            <a:ext cx="1008779" cy="339934"/>
           </a:xfrm>
           <a:prstGeom prst="roundRect">
             <a:avLst>
@@ -4153,10 +4164,10 @@
           <a:p>
             <a:pPr algn="ctr"/>
             <a:r>
-              <a:rPr lang="en-US" altLang="ko-KR" sz="1600" dirty="0" smtClean="0"/>
+              <a:rPr lang="en-US" altLang="ko-KR" sz="1200" dirty="0" smtClean="0"/>
               <a:t>filter</a:t>
             </a:r>
-            <a:endParaRPr lang="ko-KR" altLang="en-US" sz="1600" dirty="0"/>
+            <a:endParaRPr lang="ko-KR" altLang="en-US" sz="1200" dirty="0"/>
           </a:p>
         </p:txBody>
       </p:sp>
@@ -4168,8 +4179,8 @@
         </p:nvSpPr>
         <p:spPr>
           <a:xfrm>
-            <a:off x="5508104" y="1286384"/>
-            <a:ext cx="1224136" cy="399852"/>
+            <a:off x="3923261" y="1543026"/>
+            <a:ext cx="1008779" cy="339934"/>
           </a:xfrm>
           <a:prstGeom prst="roundRect">
             <a:avLst>
@@ -4197,10 +4208,10 @@
           <a:p>
             <a:pPr algn="ctr"/>
             <a:r>
-              <a:rPr lang="en-US" altLang="ko-KR" sz="1600" dirty="0" smtClean="0"/>
+              <a:rPr lang="en-US" altLang="ko-KR" sz="1200" dirty="0" smtClean="0"/>
               <a:t>mangle</a:t>
             </a:r>
-            <a:endParaRPr lang="ko-KR" altLang="en-US" sz="1600" dirty="0"/>
+            <a:endParaRPr lang="ko-KR" altLang="en-US" sz="1200" dirty="0"/>
           </a:p>
         </p:txBody>
       </p:sp>
@@ -4212,8 +4223,8 @@
         </p:nvSpPr>
         <p:spPr>
           <a:xfrm>
-            <a:off x="2483768" y="1286384"/>
-            <a:ext cx="1224136" cy="399852"/>
+            <a:off x="1430984" y="1543026"/>
+            <a:ext cx="1008779" cy="339934"/>
           </a:xfrm>
           <a:prstGeom prst="roundRect">
             <a:avLst>
@@ -4241,10 +4252,10 @@
           <a:p>
             <a:pPr algn="ctr"/>
             <a:r>
-              <a:rPr lang="en-US" altLang="ko-KR" sz="1600" dirty="0" smtClean="0"/>
+              <a:rPr lang="en-US" altLang="ko-KR" sz="1200" dirty="0" smtClean="0"/>
               <a:t>security</a:t>
             </a:r>
-            <a:endParaRPr lang="ko-KR" altLang="en-US" sz="1600" dirty="0"/>
+            <a:endParaRPr lang="ko-KR" altLang="en-US" sz="1200" dirty="0"/>
           </a:p>
         </p:txBody>
       </p:sp>
@@ -4256,8 +4267,8 @@
         </p:nvSpPr>
         <p:spPr>
           <a:xfrm>
-            <a:off x="7020272" y="2219372"/>
-            <a:ext cx="1224136" cy="399852"/>
+            <a:off x="6415539" y="2336205"/>
+            <a:ext cx="1008779" cy="339934"/>
           </a:xfrm>
           <a:prstGeom prst="roundRect">
             <a:avLst>
@@ -4285,10 +4296,10 @@
           <a:p>
             <a:pPr algn="ctr"/>
             <a:r>
-              <a:rPr lang="en-US" altLang="ko-KR" sz="1600" dirty="0" smtClean="0"/>
+              <a:rPr lang="en-US" altLang="ko-KR" sz="1200" dirty="0" smtClean="0"/>
               <a:t>mangle</a:t>
             </a:r>
-            <a:endParaRPr lang="ko-KR" altLang="en-US" sz="1600" dirty="0"/>
+            <a:endParaRPr lang="ko-KR" altLang="en-US" sz="1200" dirty="0"/>
           </a:p>
         </p:txBody>
       </p:sp>
@@ -4300,8 +4311,8 @@
         </p:nvSpPr>
         <p:spPr>
           <a:xfrm>
-            <a:off x="5508104" y="2219372"/>
-            <a:ext cx="1224136" cy="399852"/>
+            <a:off x="5169401" y="2336205"/>
+            <a:ext cx="1008779" cy="339934"/>
           </a:xfrm>
           <a:prstGeom prst="roundRect">
             <a:avLst>
@@ -4329,10 +4340,10 @@
           <a:p>
             <a:pPr algn="ctr"/>
             <a:r>
-              <a:rPr lang="en-US" altLang="ko-KR" sz="1600" dirty="0" smtClean="0"/>
+              <a:rPr lang="en-US" altLang="ko-KR" sz="1200" dirty="0" smtClean="0"/>
               <a:t>filter</a:t>
             </a:r>
-            <a:endParaRPr lang="ko-KR" altLang="en-US" sz="1600" dirty="0"/>
+            <a:endParaRPr lang="ko-KR" altLang="en-US" sz="1200" dirty="0"/>
           </a:p>
         </p:txBody>
       </p:sp>
@@ -4344,8 +4355,8 @@
         </p:nvSpPr>
         <p:spPr>
           <a:xfrm>
-            <a:off x="3995936" y="2219372"/>
-            <a:ext cx="1224136" cy="399852"/>
+            <a:off x="3923262" y="2336205"/>
+            <a:ext cx="1008779" cy="339934"/>
           </a:xfrm>
           <a:prstGeom prst="roundRect">
             <a:avLst>
@@ -4373,10 +4384,10 @@
           <a:p>
             <a:pPr algn="ctr"/>
             <a:r>
-              <a:rPr lang="en-US" altLang="ko-KR" sz="1600" dirty="0" smtClean="0"/>
+              <a:rPr lang="en-US" altLang="ko-KR" sz="1200" dirty="0" smtClean="0"/>
               <a:t>security</a:t>
             </a:r>
-            <a:endParaRPr lang="ko-KR" altLang="en-US" sz="1600" dirty="0"/>
+            <a:endParaRPr lang="ko-KR" altLang="en-US" sz="1200" dirty="0"/>
           </a:p>
         </p:txBody>
       </p:sp>
@@ -4388,8 +4399,8 @@
         </p:nvSpPr>
         <p:spPr>
           <a:xfrm>
-            <a:off x="2483768" y="2219372"/>
-            <a:ext cx="1224136" cy="399852"/>
+            <a:off x="2677124" y="2336205"/>
+            <a:ext cx="1008779" cy="339934"/>
           </a:xfrm>
           <a:prstGeom prst="roundRect">
             <a:avLst>
@@ -4417,22 +4428,22 @@
           <a:p>
             <a:pPr algn="ctr"/>
             <a:r>
-              <a:rPr lang="en-US" altLang="ko-KR" sz="1600" dirty="0" err="1" smtClean="0"/>
+              <a:rPr lang="en-US" altLang="ko-KR" sz="1200" dirty="0" err="1" smtClean="0"/>
               <a:t>nat</a:t>
             </a:r>
             <a:r>
-              <a:rPr lang="en-US" altLang="ko-KR" sz="1600" dirty="0" smtClean="0"/>
+              <a:rPr lang="en-US" altLang="ko-KR" sz="1200" dirty="0" smtClean="0"/>
               <a:t> (</a:t>
             </a:r>
             <a:r>
-              <a:rPr lang="en-US" altLang="ko-KR" sz="1600" dirty="0" err="1" smtClean="0"/>
+              <a:rPr lang="en-US" altLang="ko-KR" sz="1200" dirty="0" err="1" smtClean="0"/>
               <a:t>SNAT</a:t>
             </a:r>
             <a:r>
-              <a:rPr lang="en-US" altLang="ko-KR" sz="1600" dirty="0" smtClean="0"/>
+              <a:rPr lang="en-US" altLang="ko-KR" sz="1200" dirty="0" smtClean="0"/>
               <a:t>)</a:t>
             </a:r>
-            <a:endParaRPr lang="ko-KR" altLang="en-US" sz="1600" dirty="0"/>
+            <a:endParaRPr lang="ko-KR" altLang="en-US" sz="1200" dirty="0"/>
           </a:p>
         </p:txBody>
       </p:sp>
@@ -4444,8 +4455,8 @@
         </p:nvSpPr>
         <p:spPr>
           <a:xfrm>
-            <a:off x="2483768" y="2952434"/>
-            <a:ext cx="1224136" cy="399852"/>
+            <a:off x="3923260" y="2956346"/>
+            <a:ext cx="1008779" cy="339934"/>
           </a:xfrm>
           <a:prstGeom prst="roundRect">
             <a:avLst>
@@ -4473,10 +4484,10 @@
           <a:p>
             <a:pPr algn="ctr"/>
             <a:r>
-              <a:rPr lang="en-US" altLang="ko-KR" sz="1600" dirty="0" smtClean="0"/>
+              <a:rPr lang="en-US" altLang="ko-KR" sz="1200" dirty="0" smtClean="0"/>
               <a:t>raw</a:t>
             </a:r>
-            <a:endParaRPr lang="ko-KR" altLang="en-US" sz="1600" dirty="0"/>
+            <a:endParaRPr lang="ko-KR" altLang="en-US" sz="1200" dirty="0"/>
           </a:p>
         </p:txBody>
       </p:sp>
@@ -4488,8 +4499,8 @@
         </p:nvSpPr>
         <p:spPr>
           <a:xfrm>
-            <a:off x="3995936" y="2952434"/>
-            <a:ext cx="1224136" cy="399852"/>
+            <a:off x="2677123" y="3595897"/>
+            <a:ext cx="1008779" cy="339934"/>
           </a:xfrm>
           <a:prstGeom prst="roundRect">
             <a:avLst>
@@ -4498,7 +4509,7 @@
           </a:prstGeom>
           <a:ln>
             <a:solidFill>
-              <a:srgbClr val="C00000"/>
+              <a:schemeClr val="tx2"/>
             </a:solidFill>
           </a:ln>
         </p:spPr>
@@ -4522,16 +4533,16 @@
           <a:p>
             <a:pPr algn="ctr"/>
             <a:r>
-              <a:rPr lang="en-US" altLang="ko-KR" sz="1200" dirty="0" smtClean="0">
+              <a:rPr lang="en-US" altLang="ko-KR" sz="1100" dirty="0" smtClean="0">
                 <a:solidFill>
-                  <a:srgbClr val="C00000"/>
+                  <a:schemeClr val="tx2"/>
                 </a:solidFill>
               </a:rPr>
               <a:t>Connection Tracking</a:t>
             </a:r>
-            <a:endParaRPr lang="ko-KR" altLang="en-US" sz="1200" dirty="0">
+            <a:endParaRPr lang="ko-KR" altLang="en-US" sz="1100" dirty="0">
               <a:solidFill>
-                <a:srgbClr val="C00000"/>
+                <a:schemeClr val="tx2"/>
               </a:solidFill>
             </a:endParaRPr>
           </a:p>
@@ -4539,25 +4550,20 @@
       </p:sp>
       <p:sp>
         <p:nvSpPr>
-          <p:cNvPr id="124" name="모서리가 둥근 직사각형 123"/>
+          <p:cNvPr id="125" name="모서리가 둥근 직사각형 124"/>
           <p:cNvSpPr/>
           <p:nvPr/>
         </p:nvSpPr>
         <p:spPr>
           <a:xfrm>
-            <a:off x="7020272" y="3698478"/>
-            <a:ext cx="1224136" cy="399852"/>
+            <a:off x="5169401" y="3593666"/>
+            <a:ext cx="1008779" cy="339934"/>
           </a:xfrm>
           <a:prstGeom prst="roundRect">
             <a:avLst>
               <a:gd name="adj" fmla="val 10708"/>
             </a:avLst>
           </a:prstGeom>
-          <a:ln>
-            <a:solidFill>
-              <a:srgbClr val="C00000"/>
-            </a:solidFill>
-          </a:ln>
         </p:spPr>
         <p:style>
           <a:lnRef idx="2">
@@ -4579,31 +4585,23 @@
           <a:p>
             <a:pPr algn="ctr"/>
             <a:r>
-              <a:rPr lang="en-US" altLang="ko-KR" sz="1600" dirty="0" err="1" smtClean="0">
-                <a:solidFill>
-                  <a:srgbClr val="C00000"/>
-                </a:solidFill>
-              </a:rPr>
-              <a:t>rounting</a:t>
-            </a:r>
-            <a:endParaRPr lang="ko-KR" altLang="en-US" sz="1600" dirty="0">
-              <a:solidFill>
-                <a:srgbClr val="C00000"/>
-              </a:solidFill>
-            </a:endParaRPr>
-          </a:p>
-        </p:txBody>
-      </p:sp>
-      <p:sp>
-        <p:nvSpPr>
-          <p:cNvPr id="125" name="모서리가 둥근 직사각형 124"/>
+              <a:rPr lang="en-US" altLang="ko-KR" sz="1200" dirty="0" smtClean="0"/>
+              <a:t>filter</a:t>
+            </a:r>
+            <a:endParaRPr lang="ko-KR" altLang="en-US" sz="1200" dirty="0"/>
+          </a:p>
+        </p:txBody>
+      </p:sp>
+      <p:sp>
+        <p:nvSpPr>
+          <p:cNvPr id="126" name="모서리가 둥근 직사각형 125"/>
           <p:cNvSpPr/>
           <p:nvPr/>
         </p:nvSpPr>
         <p:spPr>
           <a:xfrm>
-            <a:off x="5508104" y="3698478"/>
-            <a:ext cx="1224136" cy="399852"/>
+            <a:off x="3923262" y="3593666"/>
+            <a:ext cx="1008779" cy="339934"/>
           </a:xfrm>
           <a:prstGeom prst="roundRect">
             <a:avLst>
@@ -4631,23 +4629,23 @@
           <a:p>
             <a:pPr algn="ctr"/>
             <a:r>
-              <a:rPr lang="en-US" altLang="ko-KR" sz="1600" dirty="0" smtClean="0"/>
-              <a:t>filter</a:t>
-            </a:r>
-            <a:endParaRPr lang="ko-KR" altLang="en-US" sz="1600" dirty="0"/>
-          </a:p>
-        </p:txBody>
-      </p:sp>
-      <p:sp>
-        <p:nvSpPr>
-          <p:cNvPr id="126" name="모서리가 둥근 직사각형 125"/>
+              <a:rPr lang="en-US" altLang="ko-KR" sz="1200" dirty="0" smtClean="0"/>
+              <a:t>security</a:t>
+            </a:r>
+            <a:endParaRPr lang="ko-KR" altLang="en-US" sz="1200" dirty="0"/>
+          </a:p>
+        </p:txBody>
+      </p:sp>
+      <p:sp>
+        <p:nvSpPr>
+          <p:cNvPr id="127" name="모서리가 둥근 직사각형 126"/>
           <p:cNvSpPr/>
           <p:nvPr/>
         </p:nvSpPr>
         <p:spPr>
           <a:xfrm>
-            <a:off x="3995936" y="3698478"/>
-            <a:ext cx="1224136" cy="399852"/>
+            <a:off x="1433163" y="4174167"/>
+            <a:ext cx="1008779" cy="339934"/>
           </a:xfrm>
           <a:prstGeom prst="roundRect">
             <a:avLst>
@@ -4675,54 +4673,10 @@
           <a:p>
             <a:pPr algn="ctr"/>
             <a:r>
-              <a:rPr lang="en-US" altLang="ko-KR" sz="1600" dirty="0" smtClean="0"/>
-              <a:t>security</a:t>
-            </a:r>
-            <a:endParaRPr lang="ko-KR" altLang="en-US" sz="1600" dirty="0"/>
-          </a:p>
-        </p:txBody>
-      </p:sp>
-      <p:sp>
-        <p:nvSpPr>
-          <p:cNvPr id="127" name="모서리가 둥근 직사각형 126"/>
-          <p:cNvSpPr/>
-          <p:nvPr/>
-        </p:nvSpPr>
-        <p:spPr>
-          <a:xfrm>
-            <a:off x="974242" y="4381300"/>
-            <a:ext cx="1224136" cy="399852"/>
-          </a:xfrm>
-          <a:prstGeom prst="roundRect">
-            <a:avLst>
-              <a:gd name="adj" fmla="val 10708"/>
-            </a:avLst>
-          </a:prstGeom>
-        </p:spPr>
-        <p:style>
-          <a:lnRef idx="2">
-            <a:schemeClr val="dk1"/>
-          </a:lnRef>
-          <a:fillRef idx="1">
-            <a:schemeClr val="lt1"/>
-          </a:fillRef>
-          <a:effectRef idx="0">
-            <a:schemeClr val="dk1"/>
-          </a:effectRef>
-          <a:fontRef idx="minor">
-            <a:schemeClr val="dk1"/>
-          </a:fontRef>
-        </p:style>
-        <p:txBody>
-          <a:bodyPr rtlCol="0" anchor="ctr"/>
-          <a:lstStyle/>
-          <a:p>
-            <a:pPr algn="ctr"/>
-            <a:r>
-              <a:rPr lang="en-US" altLang="ko-KR" sz="1600" dirty="0" smtClean="0"/>
+              <a:rPr lang="en-US" altLang="ko-KR" sz="1200" dirty="0" smtClean="0"/>
               <a:t>mangle</a:t>
             </a:r>
-            <a:endParaRPr lang="ko-KR" altLang="en-US" sz="1600" dirty="0"/>
+            <a:endParaRPr lang="ko-KR" altLang="en-US" sz="1200" dirty="0"/>
           </a:p>
         </p:txBody>
       </p:sp>
@@ -4730,15 +4684,15 @@
         <p:nvCxnSpPr>
           <p:cNvPr id="148" name="직선 화살표 연결선 147"/>
           <p:cNvCxnSpPr>
-            <a:stCxn id="18" idx="3"/>
+            <a:stCxn id="18" idx="2"/>
             <a:endCxn id="19" idx="0"/>
           </p:cNvCxnSpPr>
           <p:nvPr/>
         </p:nvCxnSpPr>
         <p:spPr>
           <a:xfrm>
-            <a:off x="6732240" y="546885"/>
-            <a:ext cx="900100" cy="273005"/>
+            <a:off x="6919928" y="1087637"/>
+            <a:ext cx="0" cy="450050"/>
           </a:xfrm>
           <a:prstGeom prst="straightConnector1">
             <a:avLst/>
@@ -4769,15 +4723,15 @@
         <p:nvCxnSpPr>
           <p:cNvPr id="151" name="직선 화살표 연결선 150"/>
           <p:cNvCxnSpPr>
-            <a:stCxn id="19" idx="2"/>
+            <a:stCxn id="19" idx="1"/>
             <a:endCxn id="43" idx="3"/>
           </p:cNvCxnSpPr>
           <p:nvPr/>
         </p:nvCxnSpPr>
         <p:spPr>
           <a:xfrm flipH="1">
-            <a:off x="6732240" y="1219742"/>
-            <a:ext cx="900100" cy="266568"/>
+            <a:off x="4932040" y="1707654"/>
+            <a:ext cx="1483498" cy="5339"/>
           </a:xfrm>
           <a:prstGeom prst="straightConnector1">
             <a:avLst/>
@@ -4815,8 +4769,8 @@
         </p:nvCxnSpPr>
         <p:spPr>
           <a:xfrm flipH="1">
-            <a:off x="5220072" y="1486310"/>
-            <a:ext cx="288032" cy="0"/>
+            <a:off x="3685901" y="1712993"/>
+            <a:ext cx="237360" cy="0"/>
           </a:xfrm>
           <a:prstGeom prst="straightConnector1">
             <a:avLst/>
@@ -4854,8 +4808,8 @@
         </p:nvCxnSpPr>
         <p:spPr>
           <a:xfrm flipH="1">
-            <a:off x="3707904" y="1486310"/>
-            <a:ext cx="288032" cy="0"/>
+            <a:off x="2439763" y="1712993"/>
+            <a:ext cx="237360" cy="0"/>
           </a:xfrm>
           <a:prstGeom prst="straightConnector1">
             <a:avLst/>
@@ -4893,8 +4847,8 @@
         </p:nvCxnSpPr>
         <p:spPr>
           <a:xfrm>
-            <a:off x="7632340" y="1219742"/>
-            <a:ext cx="0" cy="999630"/>
+            <a:off x="6919928" y="1877621"/>
+            <a:ext cx="1" cy="458584"/>
           </a:xfrm>
           <a:prstGeom prst="straightConnector1">
             <a:avLst/>
@@ -4932,8 +4886,8 @@
         </p:nvCxnSpPr>
         <p:spPr>
           <a:xfrm flipH="1">
-            <a:off x="6732240" y="2419298"/>
-            <a:ext cx="288032" cy="0"/>
+            <a:off x="6178179" y="2506172"/>
+            <a:ext cx="237360" cy="0"/>
           </a:xfrm>
           <a:prstGeom prst="straightConnector1">
             <a:avLst/>
@@ -4971,8 +4925,8 @@
         </p:nvCxnSpPr>
         <p:spPr>
           <a:xfrm flipH="1">
-            <a:off x="5220072" y="2419298"/>
-            <a:ext cx="288032" cy="0"/>
+            <a:off x="4932041" y="2506172"/>
+            <a:ext cx="237360" cy="0"/>
           </a:xfrm>
           <a:prstGeom prst="straightConnector1">
             <a:avLst/>
@@ -5010,47 +4964,8 @@
         </p:nvCxnSpPr>
         <p:spPr>
           <a:xfrm flipH="1">
-            <a:off x="3707904" y="2419298"/>
-            <a:ext cx="288032" cy="0"/>
-          </a:xfrm>
-          <a:prstGeom prst="straightConnector1">
-            <a:avLst/>
-          </a:prstGeom>
-          <a:ln w="19050">
-            <a:solidFill>
-              <a:schemeClr val="tx1"/>
-            </a:solidFill>
-            <a:tailEnd type="arrow"/>
-          </a:ln>
-        </p:spPr>
-        <p:style>
-          <a:lnRef idx="1">
-            <a:schemeClr val="accent1"/>
-          </a:lnRef>
-          <a:fillRef idx="0">
-            <a:schemeClr val="accent1"/>
-          </a:fillRef>
-          <a:effectRef idx="0">
-            <a:schemeClr val="accent1"/>
-          </a:effectRef>
-          <a:fontRef idx="minor">
-            <a:schemeClr val="tx1"/>
-          </a:fontRef>
-        </p:style>
-      </p:cxnSp>
-      <p:cxnSp>
-        <p:nvCxnSpPr>
-          <p:cNvPr id="183" name="직선 화살표 연결선 182"/>
-          <p:cNvCxnSpPr>
-            <a:stCxn id="105" idx="2"/>
-            <a:endCxn id="114" idx="0"/>
-          </p:cNvCxnSpPr>
-          <p:nvPr/>
-        </p:nvCxnSpPr>
-        <p:spPr>
-          <a:xfrm>
-            <a:off x="3095836" y="2619224"/>
-            <a:ext cx="0" cy="333210"/>
+            <a:off x="3685903" y="2506172"/>
+            <a:ext cx="237360" cy="0"/>
           </a:xfrm>
           <a:prstGeom prst="straightConnector1">
             <a:avLst/>
@@ -5081,15 +4996,15 @@
         <p:nvCxnSpPr>
           <p:cNvPr id="186" name="직선 화살표 연결선 185"/>
           <p:cNvCxnSpPr>
-            <a:stCxn id="114" idx="3"/>
-            <a:endCxn id="118" idx="1"/>
+            <a:stCxn id="114" idx="1"/>
+            <a:endCxn id="118" idx="0"/>
           </p:cNvCxnSpPr>
           <p:nvPr/>
         </p:nvCxnSpPr>
         <p:spPr>
-          <a:xfrm>
-            <a:off x="3707904" y="3152360"/>
-            <a:ext cx="288032" cy="0"/>
+          <a:xfrm flipH="1">
+            <a:off x="3181513" y="3126313"/>
+            <a:ext cx="741747" cy="469584"/>
           </a:xfrm>
           <a:prstGeom prst="straightConnector1">
             <a:avLst/>
@@ -5124,8 +5039,8 @@
         </p:nvSpPr>
         <p:spPr>
           <a:xfrm>
-            <a:off x="5508104" y="2952434"/>
-            <a:ext cx="1224136" cy="399852"/>
+            <a:off x="5169401" y="2959417"/>
+            <a:ext cx="1008779" cy="339934"/>
           </a:xfrm>
           <a:prstGeom prst="roundRect">
             <a:avLst>
@@ -5153,10 +5068,10 @@
           <a:p>
             <a:pPr algn="ctr"/>
             <a:r>
-              <a:rPr lang="en-US" altLang="ko-KR" sz="1600" dirty="0" smtClean="0"/>
+              <a:rPr lang="en-US" altLang="ko-KR" sz="1200" dirty="0" smtClean="0"/>
               <a:t>mangle</a:t>
             </a:r>
-            <a:endParaRPr lang="ko-KR" altLang="en-US" sz="1600" dirty="0"/>
+            <a:endParaRPr lang="ko-KR" altLang="en-US" sz="1200" dirty="0"/>
           </a:p>
         </p:txBody>
       </p:sp>
@@ -5164,15 +5079,15 @@
         <p:nvCxnSpPr>
           <p:cNvPr id="192" name="직선 화살표 연결선 191"/>
           <p:cNvCxnSpPr>
-            <a:stCxn id="118" idx="3"/>
+            <a:stCxn id="118" idx="0"/>
             <a:endCxn id="191" idx="1"/>
           </p:cNvCxnSpPr>
           <p:nvPr/>
         </p:nvCxnSpPr>
         <p:spPr>
-          <a:xfrm>
-            <a:off x="5220072" y="3152360"/>
-            <a:ext cx="288032" cy="0"/>
+          <a:xfrm flipV="1">
+            <a:off x="3181513" y="3129384"/>
+            <a:ext cx="1987888" cy="466513"/>
           </a:xfrm>
           <a:prstGeom prst="straightConnector1">
             <a:avLst/>
@@ -5207,8 +5122,8 @@
         </p:nvSpPr>
         <p:spPr>
           <a:xfrm>
-            <a:off x="7020272" y="2952434"/>
-            <a:ext cx="1224136" cy="399852"/>
+            <a:off x="6415539" y="3276542"/>
+            <a:ext cx="1008779" cy="339934"/>
           </a:xfrm>
           <a:prstGeom prst="roundRect">
             <a:avLst>
@@ -5236,22 +5151,22 @@
           <a:p>
             <a:pPr algn="ctr"/>
             <a:r>
-              <a:rPr lang="en-US" altLang="ko-KR" sz="1600" dirty="0" err="1" smtClean="0"/>
+              <a:rPr lang="en-US" altLang="ko-KR" sz="1200" dirty="0" err="1" smtClean="0"/>
               <a:t>nat</a:t>
             </a:r>
             <a:r>
-              <a:rPr lang="en-US" altLang="ko-KR" sz="1600" dirty="0" smtClean="0"/>
+              <a:rPr lang="en-US" altLang="ko-KR" sz="1200" dirty="0" smtClean="0"/>
               <a:t> (</a:t>
             </a:r>
             <a:r>
-              <a:rPr lang="en-US" altLang="ko-KR" sz="1600" dirty="0" err="1" smtClean="0"/>
+              <a:rPr lang="en-US" altLang="ko-KR" sz="1200" dirty="0" err="1" smtClean="0"/>
               <a:t>DNAT</a:t>
             </a:r>
             <a:r>
-              <a:rPr lang="en-US" altLang="ko-KR" sz="1600" dirty="0" smtClean="0"/>
+              <a:rPr lang="en-US" altLang="ko-KR" sz="1200" dirty="0" smtClean="0"/>
               <a:t>)</a:t>
             </a:r>
-            <a:endParaRPr lang="ko-KR" altLang="en-US" sz="1600" dirty="0"/>
+            <a:endParaRPr lang="ko-KR" altLang="en-US" sz="1200" dirty="0"/>
           </a:p>
         </p:txBody>
       </p:sp>
@@ -5266,47 +5181,8 @@
         </p:nvCxnSpPr>
         <p:spPr>
           <a:xfrm>
-            <a:off x="6732240" y="3152360"/>
-            <a:ext cx="288032" cy="0"/>
-          </a:xfrm>
-          <a:prstGeom prst="straightConnector1">
-            <a:avLst/>
-          </a:prstGeom>
-          <a:ln w="19050">
-            <a:solidFill>
-              <a:schemeClr val="tx1"/>
-            </a:solidFill>
-            <a:tailEnd type="arrow"/>
-          </a:ln>
-        </p:spPr>
-        <p:style>
-          <a:lnRef idx="1">
-            <a:schemeClr val="accent1"/>
-          </a:lnRef>
-          <a:fillRef idx="0">
-            <a:schemeClr val="accent1"/>
-          </a:fillRef>
-          <a:effectRef idx="0">
-            <a:schemeClr val="accent1"/>
-          </a:effectRef>
-          <a:fontRef idx="minor">
-            <a:schemeClr val="tx1"/>
-          </a:fontRef>
-        </p:style>
-      </p:cxnSp>
-      <p:cxnSp>
-        <p:nvCxnSpPr>
-          <p:cNvPr id="200" name="직선 화살표 연결선 199"/>
-          <p:cNvCxnSpPr>
-            <a:stCxn id="196" idx="2"/>
-            <a:endCxn id="124" idx="0"/>
-          </p:cNvCxnSpPr>
-          <p:nvPr/>
-        </p:nvCxnSpPr>
-        <p:spPr>
-          <a:xfrm>
-            <a:off x="7632340" y="3352286"/>
-            <a:ext cx="0" cy="346192"/>
+            <a:off x="6178180" y="3129384"/>
+            <a:ext cx="237359" cy="317125"/>
           </a:xfrm>
           <a:prstGeom prst="straightConnector1">
             <a:avLst/>
@@ -5337,15 +5213,15 @@
         <p:nvCxnSpPr>
           <p:cNvPr id="203" name="직선 화살표 연결선 202"/>
           <p:cNvCxnSpPr>
-            <a:stCxn id="124" idx="1"/>
+            <a:stCxn id="196" idx="1"/>
             <a:endCxn id="125" idx="3"/>
           </p:cNvCxnSpPr>
           <p:nvPr/>
         </p:nvCxnSpPr>
         <p:spPr>
           <a:xfrm flipH="1">
-            <a:off x="6732240" y="3898404"/>
-            <a:ext cx="288032" cy="0"/>
+            <a:off x="6178180" y="3446509"/>
+            <a:ext cx="237359" cy="317124"/>
           </a:xfrm>
           <a:prstGeom prst="straightConnector1">
             <a:avLst/>
@@ -5383,8 +5259,8 @@
         </p:nvCxnSpPr>
         <p:spPr>
           <a:xfrm flipH="1">
-            <a:off x="5220072" y="3898404"/>
-            <a:ext cx="288032" cy="0"/>
+            <a:off x="4932041" y="3763633"/>
+            <a:ext cx="237360" cy="0"/>
           </a:xfrm>
           <a:prstGeom prst="straightConnector1">
             <a:avLst/>
@@ -5419,8 +5295,8 @@
         </p:nvSpPr>
         <p:spPr>
           <a:xfrm>
-            <a:off x="2483768" y="4381300"/>
-            <a:ext cx="1224136" cy="399852"/>
+            <a:off x="2677124" y="4174167"/>
+            <a:ext cx="1008779" cy="339934"/>
           </a:xfrm>
           <a:prstGeom prst="roundRect">
             <a:avLst>
@@ -5448,22 +5324,22 @@
           <a:p>
             <a:pPr algn="ctr"/>
             <a:r>
-              <a:rPr lang="en-US" altLang="ko-KR" sz="1600" dirty="0" err="1" smtClean="0"/>
+              <a:rPr lang="en-US" altLang="ko-KR" sz="1200" dirty="0" err="1" smtClean="0"/>
               <a:t>nat</a:t>
             </a:r>
             <a:r>
-              <a:rPr lang="en-US" altLang="ko-KR" sz="1600" dirty="0" smtClean="0"/>
+              <a:rPr lang="en-US" altLang="ko-KR" sz="1200" dirty="0" smtClean="0"/>
               <a:t> (</a:t>
             </a:r>
             <a:r>
-              <a:rPr lang="en-US" altLang="ko-KR" sz="1600" dirty="0" err="1" smtClean="0"/>
+              <a:rPr lang="en-US" altLang="ko-KR" sz="1200" dirty="0" err="1" smtClean="0"/>
               <a:t>SNAT</a:t>
             </a:r>
             <a:r>
-              <a:rPr lang="en-US" altLang="ko-KR" sz="1600" dirty="0" smtClean="0"/>
+              <a:rPr lang="en-US" altLang="ko-KR" sz="1200" dirty="0" smtClean="0"/>
               <a:t>)</a:t>
             </a:r>
-            <a:endParaRPr lang="ko-KR" altLang="en-US" sz="1600" dirty="0"/>
+            <a:endParaRPr lang="ko-KR" altLang="en-US" sz="1200" dirty="0"/>
           </a:p>
         </p:txBody>
       </p:sp>
@@ -5478,8 +5354,8 @@
         </p:nvCxnSpPr>
         <p:spPr>
           <a:xfrm>
-            <a:off x="2198378" y="4581226"/>
-            <a:ext cx="285390" cy="0"/>
+            <a:off x="2441942" y="4344134"/>
+            <a:ext cx="235182" cy="0"/>
           </a:xfrm>
           <a:prstGeom prst="straightConnector1">
             <a:avLst/>
@@ -5510,15 +5386,15 @@
         <p:nvCxnSpPr>
           <p:cNvPr id="218" name="직선 화살표 연결선 217"/>
           <p:cNvCxnSpPr>
-            <a:stCxn id="126" idx="1"/>
-            <a:endCxn id="127" idx="0"/>
+            <a:stCxn id="126" idx="0"/>
+            <a:endCxn id="140" idx="2"/>
           </p:cNvCxnSpPr>
           <p:nvPr/>
         </p:nvCxnSpPr>
         <p:spPr>
-          <a:xfrm flipH="1">
-            <a:off x="1586310" y="3898404"/>
-            <a:ext cx="2409626" cy="482896"/>
+          <a:xfrm flipH="1" flipV="1">
+            <a:off x="1935374" y="3296280"/>
+            <a:ext cx="2492278" cy="297386"/>
           </a:xfrm>
           <a:prstGeom prst="straightConnector1">
             <a:avLst/>
@@ -5553,8 +5429,8 @@
         </p:nvSpPr>
         <p:spPr>
           <a:xfrm>
-            <a:off x="2339752" y="953174"/>
-            <a:ext cx="4536504" cy="799704"/>
+            <a:off x="1312304" y="1259747"/>
+            <a:ext cx="3738415" cy="679868"/>
           </a:xfrm>
           <a:prstGeom prst="roundRect">
             <a:avLst>
@@ -5590,7 +5466,7 @@
           <a:lstStyle/>
           <a:p>
             <a:pPr algn="ctr"/>
-            <a:endParaRPr lang="ko-KR" altLang="en-US"/>
+            <a:endParaRPr lang="ko-KR" altLang="en-US" sz="1400"/>
           </a:p>
         </p:txBody>
       </p:sp>
@@ -5602,8 +5478,8 @@
         </p:nvSpPr>
         <p:spPr>
           <a:xfrm>
-            <a:off x="2339752" y="1886162"/>
-            <a:ext cx="6048672" cy="799704"/>
+            <a:off x="2558444" y="2052927"/>
+            <a:ext cx="4984553" cy="679868"/>
           </a:xfrm>
           <a:prstGeom prst="roundRect">
             <a:avLst>
@@ -5639,7 +5515,7 @@
           <a:lstStyle/>
           <a:p>
             <a:pPr algn="ctr"/>
-            <a:endParaRPr lang="ko-KR" altLang="en-US"/>
+            <a:endParaRPr lang="ko-KR" altLang="en-US" sz="1400"/>
           </a:p>
         </p:txBody>
       </p:sp>
@@ -5651,8 +5527,8 @@
         </p:nvSpPr>
         <p:spPr>
           <a:xfrm>
-            <a:off x="2339752" y="2856580"/>
-            <a:ext cx="6048672" cy="1295410"/>
+            <a:off x="3804583" y="2877927"/>
+            <a:ext cx="3738414" cy="1101292"/>
           </a:xfrm>
           <a:prstGeom prst="roundRect">
             <a:avLst>
@@ -5688,7 +5564,7 @@
           <a:lstStyle/>
           <a:p>
             <a:pPr algn="ctr"/>
-            <a:endParaRPr lang="ko-KR" altLang="en-US"/>
+            <a:endParaRPr lang="ko-KR" altLang="en-US" sz="1400"/>
           </a:p>
         </p:txBody>
       </p:sp>
@@ -5700,8 +5576,8 @@
         </p:nvSpPr>
         <p:spPr>
           <a:xfrm>
-            <a:off x="1475656" y="4745136"/>
-            <a:ext cx="1728192" cy="399852"/>
+            <a:off x="1846365" y="4483482"/>
+            <a:ext cx="1424158" cy="339934"/>
           </a:xfrm>
           <a:prstGeom prst="roundRect">
             <a:avLst>
@@ -5733,10 +5609,10 @@
           <a:p>
             <a:pPr algn="ctr"/>
             <a:r>
-              <a:rPr lang="en-US" altLang="ko-KR" sz="1600" b="1" dirty="0" err="1" smtClean="0"/>
+              <a:rPr lang="en-US" altLang="ko-KR" sz="1200" b="1" dirty="0" err="1" smtClean="0"/>
               <a:t>POSTROUTING</a:t>
             </a:r>
-            <a:endParaRPr lang="ko-KR" altLang="en-US" sz="1600" b="1" dirty="0"/>
+            <a:endParaRPr lang="ko-KR" altLang="en-US" sz="1200" b="1" dirty="0"/>
           </a:p>
         </p:txBody>
       </p:sp>
@@ -5748,8 +5624,8 @@
         </p:nvSpPr>
         <p:spPr>
           <a:xfrm>
-            <a:off x="827584" y="4297357"/>
-            <a:ext cx="3024336" cy="827093"/>
+            <a:off x="1312306" y="4102803"/>
+            <a:ext cx="2492277" cy="703153"/>
           </a:xfrm>
           <a:prstGeom prst="roundRect">
             <a:avLst>
@@ -5785,7 +5661,7 @@
           <a:lstStyle/>
           <a:p>
             <a:pPr algn="ctr"/>
-            <a:endParaRPr lang="ko-KR" altLang="en-US"/>
+            <a:endParaRPr lang="ko-KR" altLang="en-US" sz="1400"/>
           </a:p>
         </p:txBody>
       </p:sp>
@@ -5793,15 +5669,15 @@
         <p:nvCxnSpPr>
           <p:cNvPr id="282" name="직선 화살표 연결선 281"/>
           <p:cNvCxnSpPr>
-            <a:stCxn id="51" idx="1"/>
-            <a:endCxn id="127" idx="0"/>
+            <a:stCxn id="51" idx="2"/>
+            <a:endCxn id="140" idx="0"/>
           </p:cNvCxnSpPr>
           <p:nvPr/>
         </p:nvCxnSpPr>
         <p:spPr>
-          <a:xfrm flipH="1">
-            <a:off x="1586310" y="1486310"/>
-            <a:ext cx="897458" cy="2894990"/>
+          <a:xfrm>
+            <a:off x="1935374" y="1882960"/>
+            <a:ext cx="0" cy="1073386"/>
           </a:xfrm>
           <a:prstGeom prst="straightConnector1">
             <a:avLst/>
@@ -5832,15 +5708,15 @@
         <p:nvCxnSpPr>
           <p:cNvPr id="314" name="직선 화살표 연결선 313"/>
           <p:cNvCxnSpPr>
-            <a:stCxn id="321" idx="3"/>
-            <a:endCxn id="14" idx="2"/>
+            <a:stCxn id="321" idx="0"/>
+            <a:endCxn id="14" idx="1"/>
           </p:cNvCxnSpPr>
           <p:nvPr/>
         </p:nvCxnSpPr>
         <p:spPr>
-          <a:xfrm flipH="1" flipV="1">
-            <a:off x="1583668" y="746811"/>
-            <a:ext cx="2642" cy="280225"/>
+          <a:xfrm flipV="1">
+            <a:off x="2565073" y="921803"/>
+            <a:ext cx="1358186" cy="2275"/>
           </a:xfrm>
           <a:prstGeom prst="straightConnector1">
             <a:avLst/>
@@ -5875,8 +5751,8 @@
         </p:nvSpPr>
         <p:spPr>
           <a:xfrm>
-            <a:off x="830226" y="987574"/>
-            <a:ext cx="1512168" cy="690180"/>
+            <a:off x="1319973" y="630700"/>
+            <a:ext cx="1246138" cy="586756"/>
           </a:xfrm>
           <a:prstGeom prst="cloud">
             <a:avLst/>
@@ -5902,10 +5778,10 @@
           <a:p>
             <a:pPr algn="ctr"/>
             <a:r>
-              <a:rPr lang="en-US" altLang="ko-KR" sz="1600" dirty="0" smtClean="0"/>
+              <a:rPr lang="en-US" altLang="ko-KR" sz="1200" dirty="0" smtClean="0"/>
               <a:t>Network</a:t>
             </a:r>
-            <a:endParaRPr lang="ko-KR" altLang="en-US" sz="1600" dirty="0"/>
+            <a:endParaRPr lang="ko-KR" altLang="en-US" sz="1200" dirty="0"/>
           </a:p>
         </p:txBody>
       </p:sp>
@@ -5919,8 +5795,8 @@
         </p:nvCxnSpPr>
         <p:spPr>
           <a:xfrm>
-            <a:off x="3707904" y="4581226"/>
-            <a:ext cx="360040" cy="0"/>
+            <a:off x="3685903" y="4344134"/>
+            <a:ext cx="296700" cy="0"/>
           </a:xfrm>
           <a:prstGeom prst="straightConnector1">
             <a:avLst/>
@@ -5955,8 +5831,8 @@
         </p:nvSpPr>
         <p:spPr>
           <a:xfrm>
-            <a:off x="4067944" y="4307915"/>
-            <a:ext cx="1512168" cy="690180"/>
+            <a:off x="3982602" y="4111779"/>
+            <a:ext cx="1246138" cy="586756"/>
           </a:xfrm>
           <a:prstGeom prst="cloud">
             <a:avLst/>
@@ -5982,10 +5858,428 @@
           <a:p>
             <a:pPr algn="ctr"/>
             <a:r>
-              <a:rPr lang="en-US" altLang="ko-KR" sz="1600" dirty="0" smtClean="0"/>
+              <a:rPr lang="en-US" altLang="ko-KR" sz="1200" dirty="0" smtClean="0"/>
               <a:t>Network</a:t>
             </a:r>
-            <a:endParaRPr lang="ko-KR" altLang="en-US" sz="1600" dirty="0"/>
+            <a:endParaRPr lang="ko-KR" altLang="en-US" sz="1200" dirty="0"/>
+          </a:p>
+        </p:txBody>
+      </p:sp>
+      <p:sp>
+        <p:nvSpPr>
+          <p:cNvPr id="60" name="모서리가 둥근 직사각형 59"/>
+          <p:cNvSpPr/>
+          <p:nvPr/>
+        </p:nvSpPr>
+        <p:spPr>
+          <a:xfrm>
+            <a:off x="5508104" y="4174167"/>
+            <a:ext cx="356040" cy="160365"/>
+          </a:xfrm>
+          <a:prstGeom prst="roundRect">
+            <a:avLst>
+              <a:gd name="adj" fmla="val 30576"/>
+            </a:avLst>
+          </a:prstGeom>
+        </p:spPr>
+        <p:style>
+          <a:lnRef idx="2">
+            <a:schemeClr val="dk1"/>
+          </a:lnRef>
+          <a:fillRef idx="1">
+            <a:schemeClr val="lt1"/>
+          </a:fillRef>
+          <a:effectRef idx="0">
+            <a:schemeClr val="dk1"/>
+          </a:effectRef>
+          <a:fontRef idx="minor">
+            <a:schemeClr val="dk1"/>
+          </a:fontRef>
+        </p:style>
+        <p:txBody>
+          <a:bodyPr rtlCol="0" anchor="ctr"/>
+          <a:lstStyle/>
+          <a:p>
+            <a:pPr algn="ctr"/>
+            <a:endParaRPr lang="ko-KR" altLang="en-US" sz="1200" dirty="0"/>
+          </a:p>
+        </p:txBody>
+      </p:sp>
+      <p:sp>
+        <p:nvSpPr>
+          <p:cNvPr id="63" name="모서리가 둥근 직사각형 62"/>
+          <p:cNvSpPr/>
+          <p:nvPr/>
+        </p:nvSpPr>
+        <p:spPr>
+          <a:xfrm>
+            <a:off x="5864143" y="4069930"/>
+            <a:ext cx="1424157" cy="339934"/>
+          </a:xfrm>
+          <a:prstGeom prst="roundRect">
+            <a:avLst>
+              <a:gd name="adj" fmla="val 10708"/>
+            </a:avLst>
+          </a:prstGeom>
+          <a:noFill/>
+          <a:ln>
+            <a:noFill/>
+          </a:ln>
+        </p:spPr>
+        <p:style>
+          <a:lnRef idx="2">
+            <a:schemeClr val="dk1"/>
+          </a:lnRef>
+          <a:fillRef idx="1">
+            <a:schemeClr val="lt1"/>
+          </a:fillRef>
+          <a:effectRef idx="0">
+            <a:schemeClr val="dk1"/>
+          </a:effectRef>
+          <a:fontRef idx="minor">
+            <a:schemeClr val="dk1"/>
+          </a:fontRef>
+        </p:style>
+        <p:txBody>
+          <a:bodyPr rtlCol="0" anchor="ctr"/>
+          <a:lstStyle/>
+          <a:p>
+            <a:r>
+              <a:rPr lang="en-US" altLang="ko-KR" sz="1200" smtClean="0"/>
+              <a:t>- iptables’s table</a:t>
+            </a:r>
+            <a:endParaRPr lang="ko-KR" altLang="en-US" sz="1200" dirty="0"/>
+          </a:p>
+        </p:txBody>
+      </p:sp>
+      <p:sp>
+        <p:nvSpPr>
+          <p:cNvPr id="64" name="모서리가 둥근 직사각형 63"/>
+          <p:cNvSpPr/>
+          <p:nvPr/>
+        </p:nvSpPr>
+        <p:spPr>
+          <a:xfrm>
+            <a:off x="5508104" y="4495594"/>
+            <a:ext cx="356040" cy="160365"/>
+          </a:xfrm>
+          <a:prstGeom prst="roundRect">
+            <a:avLst>
+              <a:gd name="adj" fmla="val 26602"/>
+            </a:avLst>
+          </a:prstGeom>
+          <a:ln>
+            <a:solidFill>
+              <a:schemeClr val="tx2"/>
+            </a:solidFill>
+          </a:ln>
+        </p:spPr>
+        <p:style>
+          <a:lnRef idx="2">
+            <a:schemeClr val="dk1"/>
+          </a:lnRef>
+          <a:fillRef idx="1">
+            <a:schemeClr val="lt1"/>
+          </a:fillRef>
+          <a:effectRef idx="0">
+            <a:schemeClr val="dk1"/>
+          </a:effectRef>
+          <a:fontRef idx="minor">
+            <a:schemeClr val="dk1"/>
+          </a:fontRef>
+        </p:style>
+        <p:txBody>
+          <a:bodyPr rtlCol="0" anchor="ctr"/>
+          <a:lstStyle/>
+          <a:p>
+            <a:pPr algn="ctr"/>
+            <a:endParaRPr lang="ko-KR" altLang="en-US" sz="1200" dirty="0"/>
+          </a:p>
+        </p:txBody>
+      </p:sp>
+      <p:cxnSp>
+        <p:nvCxnSpPr>
+          <p:cNvPr id="68" name="직선 화살표 연결선 67"/>
+          <p:cNvCxnSpPr>
+            <a:stCxn id="105" idx="2"/>
+          </p:cNvCxnSpPr>
+          <p:nvPr/>
+        </p:nvCxnSpPr>
+        <p:spPr>
+          <a:xfrm flipH="1">
+            <a:off x="3181512" y="2676139"/>
+            <a:ext cx="2" cy="280207"/>
+          </a:xfrm>
+          <a:prstGeom prst="straightConnector1">
+            <a:avLst/>
+          </a:prstGeom>
+          <a:ln w="19050">
+            <a:solidFill>
+              <a:schemeClr val="tx1"/>
+            </a:solidFill>
+            <a:tailEnd type="arrow"/>
+          </a:ln>
+        </p:spPr>
+        <p:style>
+          <a:lnRef idx="1">
+            <a:schemeClr val="accent1"/>
+          </a:lnRef>
+          <a:fillRef idx="0">
+            <a:schemeClr val="accent1"/>
+          </a:fillRef>
+          <a:effectRef idx="0">
+            <a:schemeClr val="accent1"/>
+          </a:effectRef>
+          <a:fontRef idx="minor">
+            <a:schemeClr val="tx1"/>
+          </a:fontRef>
+        </p:style>
+      </p:cxnSp>
+      <p:cxnSp>
+        <p:nvCxnSpPr>
+          <p:cNvPr id="71" name="직선 화살표 연결선 70"/>
+          <p:cNvCxnSpPr>
+            <a:endCxn id="114" idx="1"/>
+          </p:cNvCxnSpPr>
+          <p:nvPr/>
+        </p:nvCxnSpPr>
+        <p:spPr>
+          <a:xfrm>
+            <a:off x="3685901" y="3126313"/>
+            <a:ext cx="237359" cy="0"/>
+          </a:xfrm>
+          <a:prstGeom prst="straightConnector1">
+            <a:avLst/>
+          </a:prstGeom>
+          <a:ln w="19050">
+            <a:solidFill>
+              <a:schemeClr val="tx1"/>
+            </a:solidFill>
+            <a:tailEnd type="arrow"/>
+          </a:ln>
+        </p:spPr>
+        <p:style>
+          <a:lnRef idx="1">
+            <a:schemeClr val="accent1"/>
+          </a:lnRef>
+          <a:fillRef idx="0">
+            <a:schemeClr val="accent1"/>
+          </a:fillRef>
+          <a:effectRef idx="0">
+            <a:schemeClr val="accent1"/>
+          </a:effectRef>
+          <a:fontRef idx="minor">
+            <a:schemeClr val="tx1"/>
+          </a:fontRef>
+        </p:style>
+      </p:cxnSp>
+      <p:sp>
+        <p:nvSpPr>
+          <p:cNvPr id="74" name="모서리가 둥근 직사각형 73"/>
+          <p:cNvSpPr/>
+          <p:nvPr/>
+        </p:nvSpPr>
+        <p:spPr>
+          <a:xfrm>
+            <a:off x="5864143" y="4397882"/>
+            <a:ext cx="1665345" cy="339934"/>
+          </a:xfrm>
+          <a:prstGeom prst="roundRect">
+            <a:avLst>
+              <a:gd name="adj" fmla="val 10708"/>
+            </a:avLst>
+          </a:prstGeom>
+          <a:noFill/>
+          <a:ln>
+            <a:noFill/>
+          </a:ln>
+        </p:spPr>
+        <p:style>
+          <a:lnRef idx="2">
+            <a:schemeClr val="dk1"/>
+          </a:lnRef>
+          <a:fillRef idx="1">
+            <a:schemeClr val="lt1"/>
+          </a:fillRef>
+          <a:effectRef idx="0">
+            <a:schemeClr val="dk1"/>
+          </a:effectRef>
+          <a:fontRef idx="minor">
+            <a:schemeClr val="dk1"/>
+          </a:fontRef>
+        </p:style>
+        <p:txBody>
+          <a:bodyPr rtlCol="0" anchor="ctr"/>
+          <a:lstStyle/>
+          <a:p>
+            <a:r>
+              <a:rPr lang="en-US" altLang="ko-KR" sz="1200" smtClean="0"/>
+              <a:t>- not iptables’s table</a:t>
+            </a:r>
+            <a:endParaRPr lang="ko-KR" altLang="en-US" sz="1200" dirty="0"/>
+          </a:p>
+        </p:txBody>
+      </p:sp>
+      <p:sp>
+        <p:nvSpPr>
+          <p:cNvPr id="140" name="모서리가 둥근 직사각형 139"/>
+          <p:cNvSpPr/>
+          <p:nvPr/>
+        </p:nvSpPr>
+        <p:spPr>
+          <a:xfrm>
+            <a:off x="1430984" y="2956346"/>
+            <a:ext cx="1008779" cy="339934"/>
+          </a:xfrm>
+          <a:prstGeom prst="roundRect">
+            <a:avLst>
+              <a:gd name="adj" fmla="val 6299"/>
+            </a:avLst>
+          </a:prstGeom>
+          <a:ln>
+            <a:solidFill>
+              <a:schemeClr val="tx2"/>
+            </a:solidFill>
+          </a:ln>
+        </p:spPr>
+        <p:style>
+          <a:lnRef idx="2">
+            <a:schemeClr val="dk1"/>
+          </a:lnRef>
+          <a:fillRef idx="1">
+            <a:schemeClr val="lt1"/>
+          </a:fillRef>
+          <a:effectRef idx="0">
+            <a:schemeClr val="dk1"/>
+          </a:effectRef>
+          <a:fontRef idx="minor">
+            <a:schemeClr val="dk1"/>
+          </a:fontRef>
+        </p:style>
+        <p:txBody>
+          <a:bodyPr rtlCol="0" anchor="ctr"/>
+          <a:lstStyle/>
+          <a:p>
+            <a:pPr algn="ctr"/>
+            <a:r>
+              <a:rPr lang="en-US" altLang="ko-KR" sz="1100" smtClean="0">
+                <a:solidFill>
+                  <a:schemeClr val="tx2"/>
+                </a:solidFill>
+              </a:rPr>
+              <a:t>Routing</a:t>
+            </a:r>
+          </a:p>
+          <a:p>
+            <a:pPr algn="ctr"/>
+            <a:r>
+              <a:rPr lang="en-US" altLang="ko-KR" sz="1100" smtClean="0">
+                <a:solidFill>
+                  <a:schemeClr val="tx2"/>
+                </a:solidFill>
+              </a:rPr>
+              <a:t>(Interface)</a:t>
+            </a:r>
+            <a:endParaRPr lang="ko-KR" altLang="en-US" sz="1100" dirty="0">
+              <a:solidFill>
+                <a:schemeClr val="tx2"/>
+              </a:solidFill>
+            </a:endParaRPr>
+          </a:p>
+        </p:txBody>
+      </p:sp>
+      <p:cxnSp>
+        <p:nvCxnSpPr>
+          <p:cNvPr id="145" name="직선 화살표 연결선 144"/>
+          <p:cNvCxnSpPr>
+            <a:stCxn id="140" idx="2"/>
+          </p:cNvCxnSpPr>
+          <p:nvPr/>
+        </p:nvCxnSpPr>
+        <p:spPr>
+          <a:xfrm>
+            <a:off x="1935374" y="3296280"/>
+            <a:ext cx="0" cy="877887"/>
+          </a:xfrm>
+          <a:prstGeom prst="straightConnector1">
+            <a:avLst/>
+          </a:prstGeom>
+          <a:ln w="19050">
+            <a:solidFill>
+              <a:schemeClr val="tx1"/>
+            </a:solidFill>
+            <a:tailEnd type="arrow"/>
+          </a:ln>
+        </p:spPr>
+        <p:style>
+          <a:lnRef idx="1">
+            <a:schemeClr val="accent1"/>
+          </a:lnRef>
+          <a:fillRef idx="0">
+            <a:schemeClr val="accent1"/>
+          </a:fillRef>
+          <a:effectRef idx="0">
+            <a:schemeClr val="accent1"/>
+          </a:effectRef>
+          <a:fontRef idx="minor">
+            <a:schemeClr val="tx1"/>
+          </a:fontRef>
+        </p:style>
+      </p:cxnSp>
+      <p:sp>
+        <p:nvSpPr>
+          <p:cNvPr id="149" name="모서리가 둥근 직사각형 148"/>
+          <p:cNvSpPr/>
+          <p:nvPr/>
+        </p:nvSpPr>
+        <p:spPr>
+          <a:xfrm>
+            <a:off x="2677121" y="2960250"/>
+            <a:ext cx="1008779" cy="339934"/>
+          </a:xfrm>
+          <a:prstGeom prst="roundRect">
+            <a:avLst>
+              <a:gd name="adj" fmla="val 6299"/>
+            </a:avLst>
+          </a:prstGeom>
+          <a:ln>
+            <a:solidFill>
+              <a:schemeClr val="tx2"/>
+            </a:solidFill>
+          </a:ln>
+        </p:spPr>
+        <p:style>
+          <a:lnRef idx="2">
+            <a:schemeClr val="dk1"/>
+          </a:lnRef>
+          <a:fillRef idx="1">
+            <a:schemeClr val="lt1"/>
+          </a:fillRef>
+          <a:effectRef idx="0">
+            <a:schemeClr val="dk1"/>
+          </a:effectRef>
+          <a:fontRef idx="minor">
+            <a:schemeClr val="dk1"/>
+          </a:fontRef>
+        </p:style>
+        <p:txBody>
+          <a:bodyPr rtlCol="0" anchor="ctr"/>
+          <a:lstStyle/>
+          <a:p>
+            <a:pPr algn="ctr"/>
+            <a:r>
+              <a:rPr lang="en-US" altLang="ko-KR" sz="1100" smtClean="0">
+                <a:solidFill>
+                  <a:schemeClr val="tx2"/>
+                </a:solidFill>
+              </a:rPr>
+              <a:t>Application</a:t>
+            </a:r>
+            <a:endParaRPr lang="ko-KR" altLang="en-US" sz="1100" dirty="0">
+              <a:solidFill>
+                <a:schemeClr val="tx2"/>
+              </a:solidFill>
+            </a:endParaRPr>
           </a:p>
         </p:txBody>
       </p:sp>
